--- a/tutorial/TW-Scripts.pptx
+++ b/tutorial/TW-Scripts.pptx
@@ -17,11 +17,12 @@
     <p:sldId id="265" r:id="rId11"/>
     <p:sldId id="266" r:id="rId12"/>
     <p:sldId id="267" r:id="rId13"/>
-    <p:sldId id="268" r:id="rId14"/>
-    <p:sldId id="269" r:id="rId15"/>
-    <p:sldId id="272" r:id="rId16"/>
-    <p:sldId id="271" r:id="rId17"/>
-    <p:sldId id="273" r:id="rId18"/>
+    <p:sldId id="274" r:id="rId14"/>
+    <p:sldId id="268" r:id="rId15"/>
+    <p:sldId id="269" r:id="rId16"/>
+    <p:sldId id="272" r:id="rId17"/>
+    <p:sldId id="271" r:id="rId18"/>
+    <p:sldId id="273" r:id="rId19"/>
   </p:sldIdLst>
   <p:sldSz cx="12192000" cy="6858000"/>
   <p:notesSz cx="6858000" cy="9144000"/>
@@ -121,6 +122,11 @@
       </a:defRPr>
     </a:lvl9pPr>
   </p:defaultTextStyle>
+  <p:extLst>
+    <p:ext uri="{EFAFB233-063F-42B5-8137-9DF3F51BA10A}">
+      <p15:sldGuideLst xmlns:p15="http://schemas.microsoft.com/office/powerpoint/2012/main"/>
+    </p:ext>
+  </p:extLst>
 </p:presentation>
 </file>
 
@@ -3852,6 +3858,166 @@
           <p:cNvPr id="2" name="Title 1">
             <a:extLst>
               <a:ext uri="{FF2B5EF4-FFF2-40B4-BE49-F238E27FC236}">
+                <a16:creationId xmlns:a16="http://schemas.microsoft.com/office/drawing/2014/main" id="{B8AF2349-6B86-442C-B782-A32A82B165FF}"/>
+              </a:ext>
+            </a:extLst>
+          </p:cNvPr>
+          <p:cNvSpPr>
+            <a:spLocks noGrp="1"/>
+          </p:cNvSpPr>
+          <p:nvPr>
+            <p:ph type="title"/>
+          </p:nvPr>
+        </p:nvSpPr>
+        <p:spPr/>
+        <p:txBody>
+          <a:bodyPr/>
+          <a:lstStyle/>
+          <a:p>
+            <a:r>
+              <a:rPr lang="en-US" dirty="0"/>
+              <a:t>Node Explorer on Tiddlers Contain Node</a:t>
+            </a:r>
+          </a:p>
+        </p:txBody>
+      </p:sp>
+      <p:pic>
+        <p:nvPicPr>
+          <p:cNvPr id="4" name="Picture 3" descr="img_204_chrome">
+            <a:extLst>
+              <a:ext uri="{FF2B5EF4-FFF2-40B4-BE49-F238E27FC236}">
+                <a16:creationId xmlns:a16="http://schemas.microsoft.com/office/drawing/2014/main" id="{147626FE-4D7B-4C7C-B138-B3408740EF48}"/>
+              </a:ext>
+            </a:extLst>
+          </p:cNvPr>
+          <p:cNvPicPr>
+            <a:picLocks noGrp="1" noChangeAspect="1"/>
+          </p:cNvPicPr>
+          <p:nvPr isPhoto="1"/>
+        </p:nvPicPr>
+        <p:blipFill>
+          <a:blip r:embed="rId2">
+            <a:lum/>
+            <a:extLst>
+              <a:ext uri="{28A0092B-C50C-407E-A947-70E740481C1C}">
+                <a14:useLocalDpi xmlns:a14="http://schemas.microsoft.com/office/drawing/2010/main" val="0"/>
+              </a:ext>
+            </a:extLst>
+          </a:blip>
+          <a:stretch>
+            <a:fillRect/>
+          </a:stretch>
+        </p:blipFill>
+        <p:spPr>
+          <a:xfrm>
+            <a:off x="1331913" y="1919288"/>
+            <a:ext cx="9528175" cy="4481512"/>
+          </a:xfrm>
+          <a:prstGeom prst="rect">
+            <a:avLst/>
+          </a:prstGeom>
+          <a:ln>
+            <a:noFill/>
+          </a:ln>
+          <a:effectLst>
+            <a:outerShdw blurRad="190500" algn="tl" rotWithShape="0">
+              <a:srgbClr val="000000">
+                <a:alpha val="70000"/>
+              </a:srgbClr>
+            </a:outerShdw>
+          </a:effectLst>
+        </p:spPr>
+      </p:pic>
+      <p:sp>
+        <p:nvSpPr>
+          <p:cNvPr id="3" name="TextBox 2">
+            <a:extLst>
+              <a:ext uri="{FF2B5EF4-FFF2-40B4-BE49-F238E27FC236}">
+                <a16:creationId xmlns:a16="http://schemas.microsoft.com/office/drawing/2014/main" id="{35BD6C52-3618-4F35-8E0E-09638D18C850}"/>
+              </a:ext>
+            </a:extLst>
+          </p:cNvPr>
+          <p:cNvSpPr txBox="1"/>
+          <p:nvPr/>
+        </p:nvSpPr>
+        <p:spPr>
+          <a:xfrm>
+            <a:off x="7903029" y="4160044"/>
+            <a:ext cx="1660849" cy="646331"/>
+          </a:xfrm>
+          <a:prstGeom prst="rect">
+            <a:avLst/>
+          </a:prstGeom>
+          <a:noFill/>
+        </p:spPr>
+        <p:txBody>
+          <a:bodyPr wrap="square" rtlCol="0">
+            <a:spAutoFit/>
+          </a:bodyPr>
+          <a:lstStyle/>
+          <a:p>
+            <a:r>
+              <a:rPr lang="en-US" sz="1200" dirty="0">
+                <a:solidFill>
+                  <a:srgbClr val="FF0000"/>
+                </a:solidFill>
+              </a:rPr>
+              <a:t>A </a:t>
+            </a:r>
+            <a:r>
+              <a:rPr lang="en-US" sz="1200" b="1" dirty="0">
+                <a:solidFill>
+                  <a:srgbClr val="FF0000"/>
+                </a:solidFill>
+              </a:rPr>
+              <a:t>node</a:t>
+            </a:r>
+            <a:r>
+              <a:rPr lang="en-US" sz="1200" dirty="0">
+                <a:solidFill>
+                  <a:srgbClr val="FF0000"/>
+                </a:solidFill>
+              </a:rPr>
+              <a:t> is a link, backlink, or tagged tiddler!</a:t>
+            </a:r>
+          </a:p>
+        </p:txBody>
+      </p:sp>
+    </p:spTree>
+    <p:extLst>
+      <p:ext uri="{BB962C8B-B14F-4D97-AF65-F5344CB8AC3E}">
+        <p14:creationId xmlns:p14="http://schemas.microsoft.com/office/powerpoint/2010/main" val="1639343685"/>
+      </p:ext>
+    </p:extLst>
+  </p:cSld>
+  <p:clrMapOvr>
+    <a:masterClrMapping/>
+  </p:clrMapOvr>
+</p:sld>
+</file>
+
+<file path=ppt/slides/slide14.xml><?xml version="1.0" encoding="utf-8"?>
+<p:sld xmlns:a="http://schemas.openxmlformats.org/drawingml/2006/main" xmlns:r="http://schemas.openxmlformats.org/officeDocument/2006/relationships" xmlns:p="http://schemas.openxmlformats.org/presentationml/2006/main">
+  <p:cSld>
+    <p:spTree>
+      <p:nvGrpSpPr>
+        <p:cNvPr id="1" name=""/>
+        <p:cNvGrpSpPr/>
+        <p:nvPr/>
+      </p:nvGrpSpPr>
+      <p:grpSpPr>
+        <a:xfrm>
+          <a:off x="0" y="0"/>
+          <a:ext cx="0" cy="0"/>
+          <a:chOff x="0" y="0"/>
+          <a:chExt cx="0" cy="0"/>
+        </a:xfrm>
+      </p:grpSpPr>
+      <p:sp>
+        <p:nvSpPr>
+          <p:cNvPr id="2" name="Title 1">
+            <a:extLst>
+              <a:ext uri="{FF2B5EF4-FFF2-40B4-BE49-F238E27FC236}">
                 <a16:creationId xmlns:a16="http://schemas.microsoft.com/office/drawing/2014/main" id="{3AD6A262-EF52-4A00-94BB-0C39737F3564}"/>
               </a:ext>
             </a:extLst>
@@ -3935,7 +4101,7 @@
 </p:sld>
 </file>
 
-<file path=ppt/slides/slide14.xml><?xml version="1.0" encoding="utf-8"?>
+<file path=ppt/slides/slide15.xml><?xml version="1.0" encoding="utf-8"?>
 <p:sld xmlns:a="http://schemas.openxmlformats.org/drawingml/2006/main" xmlns:r="http://schemas.openxmlformats.org/officeDocument/2006/relationships" xmlns:p="http://schemas.openxmlformats.org/presentationml/2006/main">
   <p:cSld>
     <p:spTree>
@@ -4040,7 +4206,7 @@
 </p:sld>
 </file>
 
-<file path=ppt/slides/slide15.xml><?xml version="1.0" encoding="utf-8"?>
+<file path=ppt/slides/slide16.xml><?xml version="1.0" encoding="utf-8"?>
 <p:sld xmlns:a="http://schemas.openxmlformats.org/drawingml/2006/main" xmlns:r="http://schemas.openxmlformats.org/officeDocument/2006/relationships" xmlns:p="http://schemas.openxmlformats.org/presentationml/2006/main">
   <p:cSld>
     <p:spTree>
@@ -4145,7 +4311,7 @@
 </p:sld>
 </file>
 
-<file path=ppt/slides/slide16.xml><?xml version="1.0" encoding="utf-8"?>
+<file path=ppt/slides/slide17.xml><?xml version="1.0" encoding="utf-8"?>
 <p:sld xmlns:a="http://schemas.openxmlformats.org/drawingml/2006/main" xmlns:r="http://schemas.openxmlformats.org/officeDocument/2006/relationships" xmlns:p="http://schemas.openxmlformats.org/presentationml/2006/main">
   <p:cSld>
     <p:spTree>
@@ -4250,7 +4416,7 @@
 </p:sld>
 </file>
 
-<file path=ppt/slides/slide17.xml><?xml version="1.0" encoding="utf-8"?>
+<file path=ppt/slides/slide18.xml><?xml version="1.0" encoding="utf-8"?>
 <p:sld xmlns:a="http://schemas.openxmlformats.org/drawingml/2006/main" xmlns:r="http://schemas.openxmlformats.org/officeDocument/2006/relationships" xmlns:p="http://schemas.openxmlformats.org/presentationml/2006/main">
   <p:cSld>
     <p:spTree>
